--- a/assets/lectures/cbw-cshl/2019/mini/RNASeq_MiniLecture_08_03_SAM_BAM_BED.pptx
+++ b/assets/lectures/cbw-cshl/2019/mini/RNASeq_MiniLecture_08_03_SAM_BAM_BED.pptx
@@ -904,14 +904,14 @@
           </a:ln>
           <a:extLst>
             <a:ext uri="{909E8E84-426E-40dd-AFC4-6F175D3DCCD1}">
-              <a14:hiddenFill xmlns:a14="http://schemas.microsoft.com/office/drawing/2010/main" xmlns="">
+              <a14:hiddenFill xmlns="" xmlns:a14="http://schemas.microsoft.com/office/drawing/2010/main">
                 <a:solidFill>
                   <a:srgbClr val="FFFFFF"/>
                 </a:solidFill>
               </a14:hiddenFill>
             </a:ext>
             <a:ext uri="{91240B29-F687-4f45-9708-019B960494DF}">
-              <a14:hiddenLine xmlns:a14="http://schemas.microsoft.com/office/drawing/2010/main" xmlns="" w="9525">
+              <a14:hiddenLine xmlns="" xmlns:a14="http://schemas.microsoft.com/office/drawing/2010/main" w="9525">
                 <a:solidFill>
                   <a:srgbClr val="000000"/>
                 </a:solidFill>
@@ -6805,14 +6805,14 @@
           </a:ln>
           <a:extLst>
             <a:ext uri="{909E8E84-426E-40dd-AFC4-6F175D3DCCD1}">
-              <a14:hiddenFill xmlns:a14="http://schemas.microsoft.com/office/drawing/2010/main" xmlns="">
+              <a14:hiddenFill xmlns="" xmlns:a14="http://schemas.microsoft.com/office/drawing/2010/main">
                 <a:solidFill>
                   <a:srgbClr val="FFFFFF"/>
                 </a:solidFill>
               </a14:hiddenFill>
             </a:ext>
             <a:ext uri="{91240B29-F687-4f45-9708-019B960494DF}">
-              <a14:hiddenLine xmlns:a14="http://schemas.microsoft.com/office/drawing/2010/main" xmlns="" w="9525">
+              <a14:hiddenLine xmlns="" xmlns:a14="http://schemas.microsoft.com/office/drawing/2010/main" w="9525">
                 <a:solidFill>
                   <a:srgbClr val="000000"/>
                 </a:solidFill>
@@ -7809,14 +7809,14 @@
           </a:ln>
           <a:extLst>
             <a:ext uri="{909E8E84-426E-40dd-AFC4-6F175D3DCCD1}">
-              <a14:hiddenFill xmlns:a14="http://schemas.microsoft.com/office/drawing/2010/main" xmlns="">
+              <a14:hiddenFill xmlns="" xmlns:a14="http://schemas.microsoft.com/office/drawing/2010/main">
                 <a:solidFill>
                   <a:srgbClr val="FFFFFF"/>
                 </a:solidFill>
               </a14:hiddenFill>
             </a:ext>
             <a:ext uri="{91240B29-F687-4f45-9708-019B960494DF}">
-              <a14:hiddenLine xmlns:a14="http://schemas.microsoft.com/office/drawing/2010/main" xmlns="" w="9525">
+              <a14:hiddenLine xmlns="" xmlns:a14="http://schemas.microsoft.com/office/drawing/2010/main" w="9525">
                 <a:solidFill>
                   <a:srgbClr val="000000"/>
                 </a:solidFill>
@@ -7951,7 +7951,7 @@
                 <a:latin typeface="Calibri" charset="0"/>
                 <a:cs typeface="Calibri" charset="0"/>
               </a:rPr>
-              <a:t>Module X</a:t>
+              <a:t>Module 8</a:t>
             </a:r>
           </a:p>
         </p:txBody>
@@ -8713,14 +8713,14 @@
           </a:ln>
           <a:extLst>
             <a:ext uri="{909E8E84-426E-40dd-AFC4-6F175D3DCCD1}">
-              <a14:hiddenFill xmlns:a14="http://schemas.microsoft.com/office/drawing/2010/main" xmlns="">
+              <a14:hiddenFill xmlns="" xmlns:a14="http://schemas.microsoft.com/office/drawing/2010/main">
                 <a:solidFill>
                   <a:srgbClr val="FFFFFF"/>
                 </a:solidFill>
               </a14:hiddenFill>
             </a:ext>
             <a:ext uri="{91240B29-F687-4f45-9708-019B960494DF}">
-              <a14:hiddenLine xmlns:a14="http://schemas.microsoft.com/office/drawing/2010/main" xmlns="" w="9525">
+              <a14:hiddenLine xmlns="" xmlns:a14="http://schemas.microsoft.com/office/drawing/2010/main" w="9525">
                 <a:solidFill>
                   <a:srgbClr val="000000"/>
                 </a:solidFill>
@@ -13312,14 +13312,14 @@
           </a:ln>
           <a:extLst>
             <a:ext uri="{909E8E84-426E-40dd-AFC4-6F175D3DCCD1}">
-              <a14:hiddenFill xmlns:a14="http://schemas.microsoft.com/office/drawing/2010/main" xmlns="">
+              <a14:hiddenFill xmlns="" xmlns:a14="http://schemas.microsoft.com/office/drawing/2010/main">
                 <a:solidFill>
                   <a:srgbClr val="FFFFFF"/>
                 </a:solidFill>
               </a14:hiddenFill>
             </a:ext>
             <a:ext uri="{91240B29-F687-4f45-9708-019B960494DF}">
-              <a14:hiddenLine xmlns:a14="http://schemas.microsoft.com/office/drawing/2010/main" xmlns="" w="9525">
+              <a14:hiddenLine xmlns="" xmlns:a14="http://schemas.microsoft.com/office/drawing/2010/main" w="9525">
                 <a:solidFill>
                   <a:srgbClr val="000000"/>
                 </a:solidFill>
@@ -13353,14 +13353,14 @@
           </a:ln>
           <a:extLst>
             <a:ext uri="{909E8E84-426E-40dd-AFC4-6F175D3DCCD1}">
-              <a14:hiddenFill xmlns:a14="http://schemas.microsoft.com/office/drawing/2010/main" xmlns="">
+              <a14:hiddenFill xmlns="" xmlns:a14="http://schemas.microsoft.com/office/drawing/2010/main">
                 <a:solidFill>
                   <a:srgbClr val="FFFFFF"/>
                 </a:solidFill>
               </a14:hiddenFill>
             </a:ext>
             <a:ext uri="{91240B29-F687-4f45-9708-019B960494DF}">
-              <a14:hiddenLine xmlns:a14="http://schemas.microsoft.com/office/drawing/2010/main" xmlns="" w="9525">
+              <a14:hiddenLine xmlns="" xmlns:a14="http://schemas.microsoft.com/office/drawing/2010/main" w="9525">
                 <a:solidFill>
                   <a:srgbClr val="000000"/>
                 </a:solidFill>
@@ -13514,14 +13514,14 @@
           </a:ln>
           <a:extLst>
             <a:ext uri="{909E8E84-426E-40dd-AFC4-6F175D3DCCD1}">
-              <a14:hiddenFill xmlns:a14="http://schemas.microsoft.com/office/drawing/2010/main" xmlns="">
+              <a14:hiddenFill xmlns="" xmlns:a14="http://schemas.microsoft.com/office/drawing/2010/main">
                 <a:solidFill>
                   <a:srgbClr val="FFFFFF"/>
                 </a:solidFill>
               </a14:hiddenFill>
             </a:ext>
             <a:ext uri="{91240B29-F687-4f45-9708-019B960494DF}">
-              <a14:hiddenLine xmlns:a14="http://schemas.microsoft.com/office/drawing/2010/main" xmlns="" w="9525">
+              <a14:hiddenLine xmlns="" xmlns:a14="http://schemas.microsoft.com/office/drawing/2010/main" w="9525">
                 <a:solidFill>
                   <a:srgbClr val="000000"/>
                 </a:solidFill>
@@ -14893,14 +14893,14 @@
           </a:ln>
           <a:extLst>
             <a:ext uri="{909E8E84-426E-40dd-AFC4-6F175D3DCCD1}">
-              <a14:hiddenFill xmlns:a14="http://schemas.microsoft.com/office/drawing/2010/main" xmlns="">
+              <a14:hiddenFill xmlns="" xmlns:a14="http://schemas.microsoft.com/office/drawing/2010/main">
                 <a:solidFill>
                   <a:srgbClr val="FFFFFF"/>
                 </a:solidFill>
               </a14:hiddenFill>
             </a:ext>
             <a:ext uri="{91240B29-F687-4f45-9708-019B960494DF}">
-              <a14:hiddenLine xmlns:a14="http://schemas.microsoft.com/office/drawing/2010/main" xmlns="" w="9525">
+              <a14:hiddenLine xmlns="" xmlns:a14="http://schemas.microsoft.com/office/drawing/2010/main" w="9525">
                 <a:solidFill>
                   <a:srgbClr val="000000"/>
                 </a:solidFill>
@@ -15188,14 +15188,14 @@
           </a:ln>
           <a:extLst>
             <a:ext uri="{909E8E84-426E-40dd-AFC4-6F175D3DCCD1}">
-              <a14:hiddenFill xmlns:a14="http://schemas.microsoft.com/office/drawing/2010/main" xmlns="">
+              <a14:hiddenFill xmlns="" xmlns:a14="http://schemas.microsoft.com/office/drawing/2010/main">
                 <a:solidFill>
                   <a:srgbClr val="FFFFFF"/>
                 </a:solidFill>
               </a14:hiddenFill>
             </a:ext>
             <a:ext uri="{91240B29-F687-4f45-9708-019B960494DF}">
-              <a14:hiddenLine xmlns:a14="http://schemas.microsoft.com/office/drawing/2010/main" xmlns="" w="9525">
+              <a14:hiddenLine xmlns="" xmlns:a14="http://schemas.microsoft.com/office/drawing/2010/main" w="9525">
                 <a:solidFill>
                   <a:srgbClr val="000000"/>
                 </a:solidFill>
@@ -15561,14 +15561,14 @@
           </a:ln>
           <a:extLst>
             <a:ext uri="{909E8E84-426E-40dd-AFC4-6F175D3DCCD1}">
-              <a14:hiddenFill xmlns:a14="http://schemas.microsoft.com/office/drawing/2010/main" xmlns="">
+              <a14:hiddenFill xmlns="" xmlns:a14="http://schemas.microsoft.com/office/drawing/2010/main">
                 <a:solidFill>
                   <a:srgbClr val="FFFFFF"/>
                 </a:solidFill>
               </a14:hiddenFill>
             </a:ext>
             <a:ext uri="{91240B29-F687-4f45-9708-019B960494DF}">
-              <a14:hiddenLine xmlns:a14="http://schemas.microsoft.com/office/drawing/2010/main" xmlns="" w="9525">
+              <a14:hiddenLine xmlns="" xmlns:a14="http://schemas.microsoft.com/office/drawing/2010/main" w="9525">
                 <a:solidFill>
                   <a:srgbClr val="000000"/>
                 </a:solidFill>
